--- a/RSA/slides/Comparison_RSA_ak.pptx
+++ b/RSA/slides/Comparison_RSA_ak.pptx
@@ -6,10 +6,10 @@
     <p:sldMasterId id="2147483661" r:id="rId2"/>
   </p:sldMasterIdLst>
   <p:notesMasterIdLst>
-    <p:notesMasterId r:id="rId42"/>
+    <p:notesMasterId r:id="rId43"/>
   </p:notesMasterIdLst>
   <p:handoutMasterIdLst>
-    <p:handoutMasterId r:id="rId43"/>
+    <p:handoutMasterId r:id="rId44"/>
   </p:handoutMasterIdLst>
   <p:sldIdLst>
     <p:sldId id="256" r:id="rId3"/>
@@ -51,6 +51,7 @@
     <p:sldId id="335" r:id="rId39"/>
     <p:sldId id="336" r:id="rId40"/>
     <p:sldId id="337" r:id="rId41"/>
+    <p:sldId id="344" r:id="rId42"/>
   </p:sldIdLst>
   <p:sldSz cx="12192000" cy="6858000"/>
   <p:notesSz cx="7559675" cy="10691813"/>
@@ -254,7 +255,7 @@
           <a:p>
             <a:fld id="{1378C9C2-E46D-417B-863F-A26CEB8504F9}" type="datetimeFigureOut">
               <a:rPr lang="en-DE" smtClean="0"/>
-              <a:t>08/24/2023</a:t>
+              <a:t>8/29/23</a:t>
             </a:fld>
             <a:endParaRPr lang="en-DE"/>
           </a:p>
@@ -431,7 +432,7 @@
           <a:p>
             <a:fld id="{40F43035-60E4-448D-8E21-95E45936A7D3}" type="datetimeFigureOut">
               <a:rPr lang="en-US" smtClean="0"/>
-              <a:t>8/24/2023</a:t>
+              <a:t>8/29/23</a:t>
             </a:fld>
             <a:endParaRPr lang="en-US"/>
           </a:p>
@@ -2172,7 +2173,7 @@
           <a:lstStyle/>
           <a:p>
             <a:r>
-              <a:rPr lang="de-DE" dirty="0" err="1" smtClean="0"/>
+              <a:rPr lang="de-DE" dirty="0" err="1"/>
               <a:t>done</a:t>
             </a:r>
             <a:endParaRPr lang="en-GB" dirty="0"/>
@@ -2962,6 +2963,90 @@
     <p:extLst>
       <p:ext uri="{BB962C8B-B14F-4D97-AF65-F5344CB8AC3E}">
         <p14:creationId xmlns:p14="http://schemas.microsoft.com/office/powerpoint/2010/main" val="3448818666"/>
+      </p:ext>
+    </p:extLst>
+  </p:cSld>
+  <p:clrMapOvr>
+    <a:masterClrMapping/>
+  </p:clrMapOvr>
+</p:notes>
+</file>
+
+<file path=ppt/notesSlides/notesSlide34.xml><?xml version="1.0" encoding="utf-8"?>
+<p:notes xmlns:a="http://schemas.openxmlformats.org/drawingml/2006/main" xmlns:r="http://schemas.openxmlformats.org/officeDocument/2006/relationships" xmlns:p="http://schemas.openxmlformats.org/presentationml/2006/main">
+  <p:cSld>
+    <p:spTree>
+      <p:nvGrpSpPr>
+        <p:cNvPr id="1" name=""/>
+        <p:cNvGrpSpPr/>
+        <p:nvPr/>
+      </p:nvGrpSpPr>
+      <p:grpSpPr>
+        <a:xfrm>
+          <a:off x="0" y="0"/>
+          <a:ext cx="0" cy="0"/>
+          <a:chOff x="0" y="0"/>
+          <a:chExt cx="0" cy="0"/>
+        </a:xfrm>
+      </p:grpSpPr>
+      <p:sp>
+        <p:nvSpPr>
+          <p:cNvPr id="2" name="Folienbildplatzhalter 1"/>
+          <p:cNvSpPr>
+            <a:spLocks noGrp="1" noRot="1" noChangeAspect="1"/>
+          </p:cNvSpPr>
+          <p:nvPr>
+            <p:ph type="sldImg"/>
+          </p:nvPr>
+        </p:nvSpPr>
+        <p:spPr/>
+      </p:sp>
+      <p:sp>
+        <p:nvSpPr>
+          <p:cNvPr id="3" name="Notizenplatzhalter 2"/>
+          <p:cNvSpPr>
+            <a:spLocks noGrp="1"/>
+          </p:cNvSpPr>
+          <p:nvPr>
+            <p:ph type="body" idx="1"/>
+          </p:nvPr>
+        </p:nvSpPr>
+        <p:spPr/>
+        <p:txBody>
+          <a:bodyPr/>
+          <a:lstStyle/>
+          <a:p>
+            <a:endParaRPr lang="de-DE" dirty="0"/>
+          </a:p>
+        </p:txBody>
+      </p:sp>
+      <p:sp>
+        <p:nvSpPr>
+          <p:cNvPr id="4" name="Foliennummernplatzhalter 3"/>
+          <p:cNvSpPr>
+            <a:spLocks noGrp="1"/>
+          </p:cNvSpPr>
+          <p:nvPr>
+            <p:ph type="sldNum" sz="quarter" idx="5"/>
+          </p:nvPr>
+        </p:nvSpPr>
+        <p:spPr/>
+        <p:txBody>
+          <a:bodyPr/>
+          <a:lstStyle/>
+          <a:p>
+            <a:fld id="{4136D559-036D-4EE5-9942-4C7D1C4ED98B}" type="slidenum">
+              <a:rPr lang="en-US" smtClean="0"/>
+              <a:t>40</a:t>
+            </a:fld>
+            <a:endParaRPr lang="en-US"/>
+          </a:p>
+        </p:txBody>
+      </p:sp>
+    </p:spTree>
+    <p:extLst>
+      <p:ext uri="{BB962C8B-B14F-4D97-AF65-F5344CB8AC3E}">
+        <p14:creationId xmlns:p14="http://schemas.microsoft.com/office/powerpoint/2010/main" val="2326814886"/>
       </p:ext>
     </p:extLst>
   </p:cSld>
@@ -7035,7 +7120,7 @@
                 </a:solidFill>
                 <a:latin typeface="Gill Sans MT"/>
               </a:rPr>
-              <a:t>8/24/2023</a:t>
+              <a:t>8/29/23</a:t>
             </a:fld>
             <a:endParaRPr lang="en-US" sz="900" b="0" strike="noStrike" spc="-1">
               <a:latin typeface="Times New Roman"/>
@@ -7762,7 +7847,7 @@
                 </a:solidFill>
                 <a:latin typeface="Gill Sans MT"/>
               </a:rPr>
-              <a:t>8/24/2023</a:t>
+              <a:t>8/29/23</a:t>
             </a:fld>
             <a:endParaRPr lang="en-US" sz="900" b="0" strike="noStrike" spc="-1">
               <a:latin typeface="Times New Roman"/>
@@ -15386,17 +15471,13 @@
           <a:p>
             <a:r>
               <a:rPr lang="en-US" dirty="0"/>
-              <a:t>Test with Alina’s </a:t>
-            </a:r>
-            <a:r>
-              <a:rPr lang="en-US" dirty="0" smtClean="0"/>
-              <a:t>data</a:t>
+              <a:t>Test with Alina’s data</a:t>
             </a:r>
             <a:br>
-              <a:rPr lang="en-US" dirty="0" smtClean="0"/>
+              <a:rPr lang="en-US" dirty="0"/>
             </a:br>
             <a:r>
-              <a:rPr lang="en-US" dirty="0" smtClean="0">
+              <a:rPr lang="en-US" dirty="0">
                 <a:solidFill>
                   <a:srgbClr val="EF25A7"/>
                 </a:solidFill>
@@ -15404,7 +15485,7 @@
               <a:t>merging </a:t>
             </a:r>
             <a:r>
-              <a:rPr lang="en-US" dirty="0" err="1" smtClean="0">
+              <a:rPr lang="en-US" dirty="0" err="1">
                 <a:solidFill>
                   <a:srgbClr val="EF25A7"/>
                 </a:solidFill>
@@ -15412,7 +15493,7 @@
               <a:t>dataframes</a:t>
             </a:r>
             <a:r>
-              <a:rPr lang="en-US" dirty="0" smtClean="0">
+              <a:rPr lang="en-US" dirty="0">
                 <a:solidFill>
                   <a:srgbClr val="EF25A7"/>
                 </a:solidFill>
@@ -15420,14 +15501,14 @@
               <a:t> modified</a:t>
             </a:r>
             <a:br>
-              <a:rPr lang="en-US" dirty="0" smtClean="0">
+              <a:rPr lang="en-US" dirty="0">
                 <a:solidFill>
                   <a:srgbClr val="EF25A7"/>
                 </a:solidFill>
               </a:rPr>
             </a:br>
             <a:r>
-              <a:rPr lang="en-US" dirty="0" smtClean="0">
+              <a:rPr lang="en-US" dirty="0">
                 <a:solidFill>
                   <a:srgbClr val="EF25A7"/>
                 </a:solidFill>
@@ -15496,11 +15577,11 @@
           <a:lstStyle/>
           <a:p>
             <a:r>
-              <a:rPr lang="de-DE" dirty="0" smtClean="0"/>
+              <a:rPr lang="de-DE" dirty="0"/>
               <a:t>1. SCR, n = </a:t>
             </a:r>
             <a:r>
-              <a:rPr lang="en-US" dirty="0" smtClean="0"/>
+              <a:rPr lang="en-US" dirty="0"/>
               <a:t>494</a:t>
             </a:r>
             <a:endParaRPr lang="en-GB" dirty="0"/>
@@ -15779,7 +15860,7 @@
               <a:tabLst/>
             </a:pPr>
             <a:r>
-              <a:rPr kumimoji="0" lang="en-US" altLang="en-US" sz="900" b="0" i="0" u="none" strike="noStrike" cap="none" normalizeH="0" baseline="0" dirty="0" err="1" smtClean="0">
+              <a:rPr kumimoji="0" lang="en-US" altLang="en-US" sz="900" b="0" i="0" u="none" strike="noStrike" cap="none" normalizeH="0" baseline="0" dirty="0" err="1">
                 <a:ln>
                   <a:noFill/>
                 </a:ln>
@@ -15792,7 +15873,7 @@
               <a:t>RSMSingleValue</a:t>
             </a:r>
             <a:r>
-              <a:rPr kumimoji="0" lang="en-US" altLang="en-US" sz="900" b="0" i="0" u="none" strike="noStrike" cap="none" normalizeH="0" baseline="0" dirty="0" smtClean="0">
+              <a:rPr kumimoji="0" lang="en-US" altLang="en-US" sz="900" b="0" i="0" u="none" strike="noStrike" cap="none" normalizeH="0" baseline="0" dirty="0">
                 <a:ln>
                   <a:noFill/>
                 </a:ln>
@@ -15805,7 +15886,7 @@
               <a:t>(PicBehavArosVAlina,nVariables,CharContainingNumberFromVector,VariableType,sortType, </a:t>
             </a:r>
             <a:r>
-              <a:rPr kumimoji="0" lang="en-US" altLang="en-US" sz="900" b="0" i="0" u="none" strike="noStrike" cap="none" normalizeH="0" baseline="0" dirty="0" err="1" smtClean="0">
+              <a:rPr kumimoji="0" lang="en-US" altLang="en-US" sz="900" b="0" i="0" u="none" strike="noStrike" cap="none" normalizeH="0" baseline="0" dirty="0" err="1">
                 <a:ln>
                   <a:noFill/>
                 </a:ln>
@@ -15818,7 +15899,7 @@
               <a:t>MaxValue</a:t>
             </a:r>
             <a:r>
-              <a:rPr kumimoji="0" lang="en-US" altLang="en-US" sz="900" b="0" i="0" u="none" strike="noStrike" cap="none" normalizeH="0" baseline="0" dirty="0" smtClean="0">
+              <a:rPr kumimoji="0" lang="en-US" altLang="en-US" sz="900" b="0" i="0" u="none" strike="noStrike" cap="none" normalizeH="0" baseline="0" dirty="0">
                 <a:ln>
                   <a:noFill/>
                 </a:ln>
@@ -15831,7 +15912,7 @@
               <a:t>) </a:t>
             </a:r>
             <a:r>
-              <a:rPr kumimoji="0" lang="en-US" altLang="en-US" sz="900" b="0" i="0" u="none" strike="noStrike" cap="none" normalizeH="0" baseline="0" dirty="0" smtClean="0">
+              <a:rPr kumimoji="0" lang="en-US" altLang="en-US" sz="900" b="0" i="0" u="none" strike="noStrike" cap="none" normalizeH="0" baseline="0" dirty="0">
                 <a:ln>
                   <a:noFill/>
                 </a:ln>
@@ -15844,7 +15925,7 @@
               <a:t>Warning message: In </a:t>
             </a:r>
             <a:r>
-              <a:rPr kumimoji="0" lang="en-US" altLang="en-US" sz="900" b="0" i="0" u="none" strike="noStrike" cap="none" normalizeH="0" baseline="0" dirty="0" err="1" smtClean="0">
+              <a:rPr kumimoji="0" lang="en-US" altLang="en-US" sz="900" b="0" i="0" u="none" strike="noStrike" cap="none" normalizeH="0" baseline="0" dirty="0" err="1">
                 <a:ln>
                   <a:noFill/>
                 </a:ln>
@@ -15857,7 +15938,7 @@
               <a:t>doTryCatch</a:t>
             </a:r>
             <a:r>
-              <a:rPr kumimoji="0" lang="en-US" altLang="en-US" sz="900" b="0" i="0" u="none" strike="noStrike" cap="none" normalizeH="0" baseline="0" dirty="0" smtClean="0">
+              <a:rPr kumimoji="0" lang="en-US" altLang="en-US" sz="900" b="0" i="0" u="none" strike="noStrike" cap="none" normalizeH="0" baseline="0" dirty="0">
                 <a:ln>
                   <a:noFill/>
                 </a:ln>
@@ -15870,7 +15951,7 @@
               <a:t>(return(expr), name, </a:t>
             </a:r>
             <a:r>
-              <a:rPr kumimoji="0" lang="en-US" altLang="en-US" sz="900" b="0" i="0" u="none" strike="noStrike" cap="none" normalizeH="0" baseline="0" dirty="0" err="1" smtClean="0">
+              <a:rPr kumimoji="0" lang="en-US" altLang="en-US" sz="900" b="0" i="0" u="none" strike="noStrike" cap="none" normalizeH="0" baseline="0" dirty="0" err="1">
                 <a:ln>
                   <a:noFill/>
                 </a:ln>
@@ -15883,7 +15964,7 @@
               <a:t>parentenv</a:t>
             </a:r>
             <a:r>
-              <a:rPr kumimoji="0" lang="en-US" altLang="en-US" sz="900" b="0" i="0" u="none" strike="noStrike" cap="none" normalizeH="0" baseline="0" dirty="0" smtClean="0">
+              <a:rPr kumimoji="0" lang="en-US" altLang="en-US" sz="900" b="0" i="0" u="none" strike="noStrike" cap="none" normalizeH="0" baseline="0" dirty="0">
                 <a:ln>
                   <a:noFill/>
                 </a:ln>
@@ -15896,7 +15977,7 @@
               <a:t>, handler) : restarting interrupted promise evaluation</a:t>
             </a:r>
             <a:r>
-              <a:rPr kumimoji="0" lang="en-US" altLang="en-US" sz="800" b="0" i="0" u="none" strike="noStrike" cap="none" normalizeH="0" baseline="0" dirty="0" smtClean="0">
+              <a:rPr kumimoji="0" lang="en-US" altLang="en-US" sz="800" b="0" i="0" u="none" strike="noStrike" cap="none" normalizeH="0" baseline="0" dirty="0">
                 <a:ln>
                   <a:noFill/>
                 </a:ln>
@@ -15907,7 +15988,7 @@
               </a:rPr>
               <a:t> </a:t>
             </a:r>
-            <a:endParaRPr kumimoji="0" lang="en-US" altLang="en-US" sz="1800" b="0" i="0" u="none" strike="noStrike" cap="none" normalizeH="0" baseline="0" dirty="0" smtClean="0">
+            <a:endParaRPr kumimoji="0" lang="en-US" altLang="en-US" sz="1800" b="0" i="0" u="none" strike="noStrike" cap="none" normalizeH="0" baseline="0" dirty="0">
               <a:ln>
                 <a:noFill/>
               </a:ln>
@@ -16054,14 +16135,14 @@
           <a:lstStyle/>
           <a:p>
             <a:r>
-              <a:rPr lang="de-DE" dirty="0" smtClean="0"/>
+              <a:rPr lang="de-DE" dirty="0"/>
               <a:t>Major </a:t>
             </a:r>
             <a:r>
-              <a:rPr lang="de-DE" dirty="0" err="1" smtClean="0"/>
+              <a:rPr lang="de-DE" dirty="0" err="1"/>
               <a:t>error</a:t>
             </a:r>
-            <a:endParaRPr lang="de-DE" dirty="0" smtClean="0"/>
+            <a:endParaRPr lang="de-DE" dirty="0"/>
           </a:p>
         </p:txBody>
       </p:sp>
@@ -16110,7 +16191,7 @@
           <a:lstStyle/>
           <a:p>
             <a:r>
-              <a:rPr lang="de-DE" sz="1800" dirty="0" smtClean="0">
+              <a:rPr lang="de-DE" sz="1800" dirty="0">
                 <a:solidFill>
                   <a:srgbClr val="EF25A7"/>
                 </a:solidFill>
@@ -16118,7 +16199,7 @@
               <a:t>Are </a:t>
             </a:r>
             <a:r>
-              <a:rPr lang="de-DE" sz="1800" dirty="0" err="1" smtClean="0">
+              <a:rPr lang="de-DE" sz="1800" dirty="0" err="1">
                 <a:solidFill>
                   <a:srgbClr val="EF25A7"/>
                 </a:solidFill>
@@ -16126,7 +16207,7 @@
               <a:t>these</a:t>
             </a:r>
             <a:r>
-              <a:rPr lang="de-DE" sz="1800" dirty="0" smtClean="0">
+              <a:rPr lang="de-DE" sz="1800" dirty="0">
                 <a:solidFill>
                   <a:srgbClr val="EF25A7"/>
                 </a:solidFill>
@@ -16134,7 +16215,7 @@
               <a:t> </a:t>
             </a:r>
             <a:r>
-              <a:rPr lang="de-DE" sz="1800" dirty="0" err="1" smtClean="0">
+              <a:rPr lang="de-DE" sz="1800" dirty="0" err="1">
                 <a:solidFill>
                   <a:srgbClr val="EF25A7"/>
                 </a:solidFill>
@@ -16142,7 +16223,7 @@
               <a:t>typos</a:t>
             </a:r>
             <a:r>
-              <a:rPr lang="de-DE" sz="1800" dirty="0" smtClean="0">
+              <a:rPr lang="de-DE" sz="1800" dirty="0">
                 <a:solidFill>
                   <a:srgbClr val="EF25A7"/>
                 </a:solidFill>
@@ -16150,7 +16231,7 @@
               <a:t>? </a:t>
             </a:r>
             <a:r>
-              <a:rPr lang="de-DE" sz="1800" dirty="0" err="1" smtClean="0">
+              <a:rPr lang="de-DE" sz="1800" dirty="0" err="1">
                 <a:solidFill>
                   <a:srgbClr val="EF25A7"/>
                 </a:solidFill>
@@ -16158,7 +16239,7 @@
               <a:t>Did</a:t>
             </a:r>
             <a:r>
-              <a:rPr lang="de-DE" sz="1800" dirty="0" smtClean="0">
+              <a:rPr lang="de-DE" sz="1800" dirty="0">
                 <a:solidFill>
                   <a:srgbClr val="EF25A7"/>
                 </a:solidFill>
@@ -16166,7 +16247,7 @@
               <a:t> I </a:t>
             </a:r>
             <a:r>
-              <a:rPr lang="de-DE" sz="1800" dirty="0" err="1" smtClean="0">
+              <a:rPr lang="de-DE" sz="1800" dirty="0" err="1">
                 <a:solidFill>
                   <a:srgbClr val="EF25A7"/>
                 </a:solidFill>
@@ -16174,7 +16255,7 @@
               <a:t>change</a:t>
             </a:r>
             <a:r>
-              <a:rPr lang="de-DE" sz="1800" dirty="0" smtClean="0">
+              <a:rPr lang="de-DE" sz="1800" dirty="0">
                 <a:solidFill>
                   <a:srgbClr val="EF25A7"/>
                 </a:solidFill>
@@ -16182,7 +16263,7 @@
               <a:t> </a:t>
             </a:r>
             <a:r>
-              <a:rPr lang="de-DE" sz="1800" dirty="0" err="1" smtClean="0">
+              <a:rPr lang="de-DE" sz="1800" dirty="0" err="1">
                 <a:solidFill>
                   <a:srgbClr val="EF25A7"/>
                 </a:solidFill>
@@ -16190,7 +16271,7 @@
               <a:t>it</a:t>
             </a:r>
             <a:r>
-              <a:rPr lang="de-DE" sz="1800" dirty="0" smtClean="0">
+              <a:rPr lang="de-DE" sz="1800" dirty="0">
                 <a:solidFill>
                   <a:srgbClr val="EF25A7"/>
                 </a:solidFill>
@@ -16198,7 +16279,7 @@
               <a:t> </a:t>
             </a:r>
             <a:r>
-              <a:rPr lang="de-DE" sz="1800" dirty="0" err="1" smtClean="0">
+              <a:rPr lang="de-DE" sz="1800" dirty="0" err="1">
                 <a:solidFill>
                   <a:srgbClr val="EF25A7"/>
                 </a:solidFill>
@@ -16206,7 +16287,7 @@
               <a:t>correctly</a:t>
             </a:r>
             <a:r>
-              <a:rPr lang="de-DE" sz="1800" dirty="0" smtClean="0">
+              <a:rPr lang="de-DE" sz="1800" dirty="0">
                 <a:solidFill>
                   <a:srgbClr val="EF25A7"/>
                 </a:solidFill>
@@ -16772,13 +16853,7 @@
               <a:rPr lang="en-US" altLang="en-US" sz="1400" dirty="0">
                 <a:latin typeface="Arial" panose="020B0604020202020204" pitchFamily="34" charset="0"/>
               </a:rPr>
-              <a:t>_corr_prep_all,BehavioralSingleAlina_corr_prep_all,VariableOriginal,VariableModel,nPermutations,seedPer</a:t>
-            </a:r>
-            <a:r>
-              <a:rPr lang="en-US" altLang="en-US" sz="1400" dirty="0" smtClean="0">
-                <a:latin typeface="Arial" panose="020B0604020202020204" pitchFamily="34" charset="0"/>
-              </a:rPr>
-              <a:t>)</a:t>
+              <a:t>_corr_prep_all,BehavioralSingleAlina_corr_prep_all,VariableOriginal,VariableModel,nPermutations,seedPer)</a:t>
             </a:r>
           </a:p>
           <a:p>
@@ -16903,12 +16978,12 @@
               </a:spcAft>
             </a:pPr>
             <a:r>
-              <a:rPr lang="en-US" altLang="en-US" sz="1400" dirty="0" smtClean="0">
+              <a:rPr lang="en-US" altLang="en-US" sz="1400" dirty="0">
                 <a:latin typeface="Arial" panose="020B0604020202020204" pitchFamily="34" charset="0"/>
               </a:rPr>
               <a:t>Line: 765</a:t>
             </a:r>
-            <a:endParaRPr kumimoji="0" lang="en-US" altLang="en-US" sz="1400" b="0" i="0" u="none" strike="noStrike" cap="none" normalizeH="0" baseline="0" dirty="0" smtClean="0">
+            <a:endParaRPr kumimoji="0" lang="en-US" altLang="en-US" sz="1400" b="0" i="0" u="none" strike="noStrike" cap="none" normalizeH="0" baseline="0" dirty="0">
               <a:ln>
                 <a:noFill/>
               </a:ln>
@@ -16980,13 +17055,7 @@
               <a:rPr lang="en-US" altLang="en-US" sz="1400" dirty="0">
                 <a:latin typeface="Arial" panose="020B0604020202020204" pitchFamily="34" charset="0"/>
               </a:rPr>
-              <a:t>(SCR_SingleAlina_corr_prep_all,BehavioralSingleAlina_invAK_corr_prep_all,VariableOriginal,VariableModel,nPermutations,seedPer</a:t>
-            </a:r>
-            <a:r>
-              <a:rPr lang="en-US" altLang="en-US" sz="1400" dirty="0" smtClean="0">
-                <a:latin typeface="Arial" panose="020B0604020202020204" pitchFamily="34" charset="0"/>
-              </a:rPr>
-              <a:t>)</a:t>
+              <a:t>(SCR_SingleAlina_corr_prep_all,BehavioralSingleAlina_invAK_corr_prep_all,VariableOriginal,VariableModel,nPermutations,seedPer)</a:t>
             </a:r>
           </a:p>
           <a:p>
@@ -17118,12 +17187,12 @@
               </a:spcAft>
             </a:pPr>
             <a:r>
-              <a:rPr lang="en-US" altLang="en-US" sz="1400" dirty="0" smtClean="0">
+              <a:rPr lang="en-US" altLang="en-US" sz="1400" dirty="0">
                 <a:latin typeface="Arial" panose="020B0604020202020204" pitchFamily="34" charset="0"/>
               </a:rPr>
               <a:t>Line: 767</a:t>
             </a:r>
-            <a:endParaRPr kumimoji="0" lang="en-US" altLang="en-US" sz="1400" b="0" i="0" u="none" strike="noStrike" cap="none" normalizeH="0" baseline="0" dirty="0" smtClean="0">
+            <a:endParaRPr kumimoji="0" lang="en-US" altLang="en-US" sz="1400" b="0" i="0" u="none" strike="noStrike" cap="none" normalizeH="0" baseline="0" dirty="0">
               <a:ln>
                 <a:noFill/>
               </a:ln>
@@ -17278,7 +17347,7 @@
               <a:buNone/>
               <a:tabLst/>
             </a:pPr>
-            <a:endParaRPr kumimoji="0" lang="en-US" altLang="en-US" sz="1800" b="0" i="0" u="none" strike="noStrike" cap="none" normalizeH="0" baseline="0" dirty="0" smtClean="0">
+            <a:endParaRPr kumimoji="0" lang="en-US" altLang="en-US" sz="1800" b="0" i="0" u="none" strike="noStrike" cap="none" normalizeH="0" baseline="0" dirty="0">
               <a:ln>
                 <a:noFill/>
               </a:ln>
@@ -17361,7 +17430,7 @@
               <a:buNone/>
               <a:tabLst/>
             </a:pPr>
-            <a:endParaRPr kumimoji="0" lang="en-US" altLang="en-US" sz="1800" b="0" i="0" u="none" strike="noStrike" cap="none" normalizeH="0" baseline="0" dirty="0" smtClean="0">
+            <a:endParaRPr kumimoji="0" lang="en-US" altLang="en-US" sz="1800" b="0" i="0" u="none" strike="noStrike" cap="none" normalizeH="0" baseline="0" dirty="0">
               <a:ln>
                 <a:noFill/>
               </a:ln>
@@ -18178,17 +18247,13 @@
           <a:p>
             <a:r>
               <a:rPr lang="en-US" dirty="0"/>
-              <a:t>Test with Alina’s </a:t>
-            </a:r>
-            <a:r>
-              <a:rPr lang="en-US" dirty="0" smtClean="0"/>
-              <a:t>data</a:t>
+              <a:t>Test with Alina’s data</a:t>
             </a:r>
             <a:br>
-              <a:rPr lang="en-US" dirty="0" smtClean="0"/>
+              <a:rPr lang="en-US" dirty="0"/>
             </a:br>
             <a:r>
-              <a:rPr lang="en-US" dirty="0" smtClean="0">
+              <a:rPr lang="en-US" dirty="0">
                 <a:solidFill>
                   <a:srgbClr val="EF25A7"/>
                 </a:solidFill>
@@ -18196,7 +18261,7 @@
               <a:t>merging </a:t>
             </a:r>
             <a:r>
-              <a:rPr lang="en-US" dirty="0" err="1" smtClean="0">
+              <a:rPr lang="en-US" dirty="0" err="1">
                 <a:solidFill>
                   <a:srgbClr val="EF25A7"/>
                 </a:solidFill>
@@ -18204,7 +18269,7 @@
               <a:t>dataframes</a:t>
             </a:r>
             <a:r>
-              <a:rPr lang="en-US" dirty="0" smtClean="0">
+              <a:rPr lang="en-US" dirty="0">
                 <a:solidFill>
                   <a:srgbClr val="EF25A7"/>
                 </a:solidFill>
@@ -18212,14 +18277,14 @@
               <a:t> modified</a:t>
             </a:r>
             <a:br>
-              <a:rPr lang="en-US" dirty="0" smtClean="0">
+              <a:rPr lang="en-US" dirty="0">
                 <a:solidFill>
                   <a:srgbClr val="EF25A7"/>
                 </a:solidFill>
               </a:rPr>
             </a:br>
             <a:r>
-              <a:rPr lang="en-US" dirty="0" smtClean="0">
+              <a:rPr lang="en-US" dirty="0">
                 <a:solidFill>
                   <a:srgbClr val="EF25A7"/>
                 </a:solidFill>
@@ -18288,11 +18353,11 @@
           <a:lstStyle/>
           <a:p>
             <a:r>
-              <a:rPr lang="de-DE" dirty="0" smtClean="0"/>
+              <a:rPr lang="de-DE" dirty="0"/>
               <a:t>1. SCR, n = </a:t>
             </a:r>
             <a:r>
-              <a:rPr lang="en-US" dirty="0" smtClean="0"/>
+              <a:rPr lang="en-US" dirty="0"/>
               <a:t>493</a:t>
             </a:r>
             <a:endParaRPr lang="en-GB" dirty="0"/>
@@ -19201,7 +19266,7 @@
                 <a:spcPct val="0"/>
               </a:spcAft>
             </a:pPr>
-            <a:endParaRPr kumimoji="0" lang="en-US" altLang="en-US" sz="1400" b="0" i="0" u="none" strike="noStrike" cap="none" normalizeH="0" baseline="0" dirty="0" smtClean="0">
+            <a:endParaRPr kumimoji="0" lang="en-US" altLang="en-US" sz="1400" b="0" i="0" u="none" strike="noStrike" cap="none" normalizeH="0" baseline="0" dirty="0">
               <a:ln>
                 <a:noFill/>
               </a:ln>
@@ -19284,7 +19349,7 @@
               <a:buNone/>
               <a:tabLst/>
             </a:pPr>
-            <a:endParaRPr kumimoji="0" lang="en-US" altLang="en-US" sz="1800" b="0" i="0" u="none" strike="noStrike" cap="none" normalizeH="0" baseline="0" dirty="0" smtClean="0">
+            <a:endParaRPr kumimoji="0" lang="en-US" altLang="en-US" sz="1800" b="0" i="0" u="none" strike="noStrike" cap="none" normalizeH="0" baseline="0" dirty="0">
               <a:ln>
                 <a:noFill/>
               </a:ln>
@@ -19367,7 +19432,7 @@
               <a:buNone/>
               <a:tabLst/>
             </a:pPr>
-            <a:endParaRPr kumimoji="0" lang="en-US" altLang="en-US" sz="1800" b="0" i="0" u="none" strike="noStrike" cap="none" normalizeH="0" baseline="0" dirty="0" smtClean="0">
+            <a:endParaRPr kumimoji="0" lang="en-US" altLang="en-US" sz="1800" b="0" i="0" u="none" strike="noStrike" cap="none" normalizeH="0" baseline="0" dirty="0">
               <a:ln>
                 <a:noFill/>
               </a:ln>
@@ -19594,7 +19659,7 @@
               <a:buNone/>
               <a:tabLst/>
             </a:pPr>
-            <a:endParaRPr kumimoji="0" lang="en-US" altLang="en-US" sz="1800" b="0" i="0" u="none" strike="noStrike" cap="none" normalizeH="0" baseline="0" dirty="0" smtClean="0">
+            <a:endParaRPr kumimoji="0" lang="en-US" altLang="en-US" sz="1800" b="0" i="0" u="none" strike="noStrike" cap="none" normalizeH="0" baseline="0" dirty="0">
               <a:ln>
                 <a:noFill/>
               </a:ln>
@@ -19677,7 +19742,7 @@
               <a:buNone/>
               <a:tabLst/>
             </a:pPr>
-            <a:endParaRPr kumimoji="0" lang="en-US" altLang="en-US" sz="1800" b="0" i="0" u="none" strike="noStrike" cap="none" normalizeH="0" baseline="0" dirty="0" smtClean="0">
+            <a:endParaRPr kumimoji="0" lang="en-US" altLang="en-US" sz="1800" b="0" i="0" u="none" strike="noStrike" cap="none" normalizeH="0" baseline="0" dirty="0">
               <a:ln>
                 <a:noFill/>
               </a:ln>
@@ -20076,14 +20141,14 @@
           <a:lstStyle/>
           <a:p>
             <a:r>
-              <a:rPr lang="de-DE" dirty="0" smtClean="0"/>
+              <a:rPr lang="de-DE" dirty="0"/>
               <a:t>2. EMG, n = 401</a:t>
             </a:r>
             <a:br>
-              <a:rPr lang="de-DE" dirty="0" smtClean="0"/>
+              <a:rPr lang="de-DE" dirty="0"/>
             </a:br>
             <a:r>
-              <a:rPr lang="de-DE" dirty="0" err="1" smtClean="0">
+              <a:rPr lang="de-DE" dirty="0" err="1">
                 <a:solidFill>
                   <a:srgbClr val="EF25A7"/>
                 </a:solidFill>
@@ -20091,7 +20156,7 @@
               <a:t>association</a:t>
             </a:r>
             <a:r>
-              <a:rPr lang="de-DE" dirty="0" smtClean="0">
+              <a:rPr lang="de-DE" dirty="0">
                 <a:solidFill>
                   <a:srgbClr val="EF25A7"/>
                 </a:solidFill>
@@ -20099,7 +20164,7 @@
               <a:t> </a:t>
             </a:r>
             <a:r>
-              <a:rPr lang="de-DE" dirty="0" err="1" smtClean="0">
+              <a:rPr lang="de-DE" dirty="0" err="1">
                 <a:solidFill>
                   <a:srgbClr val="EF25A7"/>
                 </a:solidFill>
@@ -20107,7 +20172,7 @@
               <a:t>with</a:t>
             </a:r>
             <a:r>
-              <a:rPr lang="de-DE" dirty="0" smtClean="0">
+              <a:rPr lang="de-DE" dirty="0">
                 <a:solidFill>
                   <a:srgbClr val="EF25A7"/>
                 </a:solidFill>
@@ -20115,7 +20180,7 @@
               <a:t> </a:t>
             </a:r>
             <a:r>
-              <a:rPr lang="de-DE" dirty="0" err="1" smtClean="0">
+              <a:rPr lang="de-DE" dirty="0" err="1">
                 <a:solidFill>
                   <a:srgbClr val="EF25A7"/>
                 </a:solidFill>
@@ -20123,7 +20188,7 @@
               <a:t>TAmplitudes</a:t>
             </a:r>
             <a:r>
-              <a:rPr lang="de-DE" dirty="0" smtClean="0">
+              <a:rPr lang="de-DE" dirty="0">
                 <a:solidFill>
                   <a:srgbClr val="EF25A7"/>
                 </a:solidFill>
@@ -20131,7 +20196,7 @@
               <a:t> +</a:t>
             </a:r>
             <a:r>
-              <a:rPr lang="de-DE" dirty="0" err="1" smtClean="0">
+              <a:rPr lang="de-DE" dirty="0" err="1">
                 <a:solidFill>
                   <a:srgbClr val="EF25A7"/>
                 </a:solidFill>
@@ -20139,7 +20204,7 @@
               <a:t>valence</a:t>
             </a:r>
             <a:r>
-              <a:rPr lang="de-DE" dirty="0" smtClean="0">
+              <a:rPr lang="de-DE" dirty="0">
                 <a:solidFill>
                   <a:srgbClr val="EF25A7"/>
                 </a:solidFill>
@@ -20147,30 +20212,22 @@
               <a:t> </a:t>
             </a:r>
             <a:r>
-              <a:rPr lang="de-DE" dirty="0" err="1" smtClean="0">
+              <a:rPr lang="de-DE" dirty="0" err="1">
                 <a:solidFill>
                   <a:srgbClr val="EF25A7"/>
                 </a:solidFill>
               </a:rPr>
               <a:t>rating</a:t>
             </a:r>
-            <a:r>
-              <a:rPr lang="de-DE" dirty="0" smtClean="0">
-                <a:solidFill>
-                  <a:srgbClr val="EF25A7"/>
-                </a:solidFill>
-              </a:rPr>
-              <a:t/>
-            </a:r>
             <a:br>
-              <a:rPr lang="de-DE" dirty="0" smtClean="0">
+              <a:rPr lang="de-DE" dirty="0">
                 <a:solidFill>
                   <a:srgbClr val="EF25A7"/>
                 </a:solidFill>
               </a:rPr>
             </a:br>
             <a:r>
-              <a:rPr lang="de-DE" dirty="0" err="1" smtClean="0">
+              <a:rPr lang="de-DE" dirty="0" err="1">
                 <a:solidFill>
                   <a:srgbClr val="EF25A7"/>
                 </a:solidFill>
@@ -20178,7 +20235,7 @@
               <a:t>image</a:t>
             </a:r>
             <a:r>
-              <a:rPr lang="de-DE" dirty="0" smtClean="0">
+              <a:rPr lang="de-DE" dirty="0">
                 <a:solidFill>
                   <a:srgbClr val="EF25A7"/>
                 </a:solidFill>
@@ -20186,7 +20243,7 @@
               <a:t> </a:t>
             </a:r>
             <a:r>
-              <a:rPr lang="de-DE" dirty="0" err="1" smtClean="0">
+              <a:rPr lang="de-DE" dirty="0" err="1">
                 <a:solidFill>
                   <a:srgbClr val="EF25A7"/>
                 </a:solidFill>
@@ -20194,7 +20251,7 @@
               <a:t>presentation</a:t>
             </a:r>
             <a:r>
-              <a:rPr lang="de-DE" dirty="0" smtClean="0">
+              <a:rPr lang="de-DE" dirty="0">
                 <a:solidFill>
                   <a:srgbClr val="EF25A7"/>
                 </a:solidFill>
@@ -20202,7 +20259,7 @@
               <a:t> + probe: </a:t>
             </a:r>
             <a:r>
-              <a:rPr lang="de-DE" dirty="0" err="1" smtClean="0">
+              <a:rPr lang="de-DE" dirty="0" err="1">
                 <a:solidFill>
                   <a:srgbClr val="EF25A7"/>
                 </a:solidFill>
@@ -20301,7 +20358,7 @@
               <a:t>RSM based on </a:t>
             </a:r>
             <a:r>
-              <a:rPr lang="en-US" sz="2400" dirty="0" err="1" smtClean="0"/>
+              <a:rPr lang="en-US" sz="2400" dirty="0" err="1"/>
               <a:t>TAmplitudes</a:t>
             </a:r>
             <a:endParaRPr lang="en-US" sz="2400" i="1" dirty="0"/>
@@ -20355,15 +20412,7 @@
             <a:pPr algn="ctr"/>
             <a:r>
               <a:rPr lang="en-US" sz="2400" dirty="0"/>
-              <a:t>RSM based on </a:t>
-            </a:r>
-            <a:r>
-              <a:rPr lang="en-US" sz="2400" dirty="0" smtClean="0"/>
-              <a:t>Valence </a:t>
-            </a:r>
-            <a:r>
-              <a:rPr lang="en-US" sz="2400" dirty="0"/>
-              <a:t>Ratings</a:t>
+              <a:t>RSM based on Valence Ratings</a:t>
             </a:r>
             <a:endParaRPr lang="en-US" sz="2400" i="1" dirty="0"/>
           </a:p>
@@ -20416,11 +20465,7 @@
             <a:pPr algn="ctr"/>
             <a:r>
               <a:rPr lang="en-US" sz="2400" dirty="0"/>
-              <a:t>RSM based on </a:t>
-            </a:r>
-            <a:r>
-              <a:rPr lang="en-US" sz="2400" dirty="0" smtClean="0"/>
-              <a:t>Valence </a:t>
+              <a:t>RSM based on Valence </a:t>
             </a:r>
             <a:r>
               <a:rPr lang="en-US" sz="2400" dirty="0" err="1"/>
@@ -20549,18 +20594,13 @@
             <a:pPr algn="ctr"/>
             <a:r>
               <a:rPr lang="en-US" sz="2400" dirty="0"/>
-              <a:t>RSM based on </a:t>
-            </a:r>
-            <a:r>
-              <a:rPr lang="en-US" sz="2400" dirty="0" smtClean="0"/>
-              <a:t>Valence </a:t>
-            </a:r>
-            <a:endParaRPr lang="en-US" sz="2400" dirty="0" smtClean="0"/>
+              <a:t>RSM based on Valence </a:t>
+            </a:r>
           </a:p>
           <a:p>
             <a:pPr algn="ctr"/>
             <a:r>
-              <a:rPr lang="en-US" sz="2400" dirty="0" smtClean="0">
+              <a:rPr lang="en-US" sz="2400" dirty="0">
                 <a:solidFill>
                   <a:srgbClr val="EF25A7"/>
                 </a:solidFill>
@@ -20738,7 +20778,7 @@
               <a:t>RSM based on </a:t>
             </a:r>
             <a:r>
-              <a:rPr lang="en-US" sz="1400" dirty="0" err="1" smtClean="0"/>
+              <a:rPr lang="en-US" sz="1400" dirty="0" err="1"/>
               <a:t>TAmplitudes</a:t>
             </a:r>
             <a:endParaRPr lang="en-US" sz="1400" i="1" dirty="0"/>
@@ -20795,7 +20835,7 @@
               <a:t>RSM based on </a:t>
             </a:r>
             <a:r>
-              <a:rPr lang="en-US" sz="1400" dirty="0" err="1" smtClean="0"/>
+              <a:rPr lang="en-US" sz="1400" dirty="0" err="1"/>
               <a:t>TAmplitudes</a:t>
             </a:r>
             <a:endParaRPr lang="en-US" sz="1400" i="1" dirty="0"/>
@@ -20849,15 +20889,7 @@
             <a:pPr algn="ctr"/>
             <a:r>
               <a:rPr lang="en-US" sz="1400" dirty="0"/>
-              <a:t>RSM based on </a:t>
-            </a:r>
-            <a:r>
-              <a:rPr lang="en-US" sz="1400" dirty="0" smtClean="0"/>
-              <a:t>Valence </a:t>
-            </a:r>
-            <a:r>
-              <a:rPr lang="en-US" sz="1400" dirty="0"/>
-              <a:t>Ratings NN</a:t>
+              <a:t>RSM based on Valence Ratings NN</a:t>
             </a:r>
             <a:endParaRPr lang="en-US" sz="1400" i="1" dirty="0"/>
           </a:p>
@@ -20910,21 +20942,13 @@
             <a:pPr algn="ctr"/>
             <a:r>
               <a:rPr lang="en-US" sz="1400" dirty="0"/>
-              <a:t>RSM based on </a:t>
-            </a:r>
-            <a:r>
-              <a:rPr lang="en-US" sz="1400" dirty="0" smtClean="0"/>
-              <a:t>Valence </a:t>
-            </a:r>
-            <a:r>
-              <a:rPr lang="en-US" sz="1400" dirty="0"/>
-              <a:t>Ratings </a:t>
+              <a:t>RSM based on Valence Ratings </a:t>
             </a:r>
           </a:p>
           <a:p>
             <a:pPr algn="ctr"/>
             <a:r>
-              <a:rPr lang="en-US" sz="1400" b="1" dirty="0" smtClean="0">
+              <a:rPr lang="en-US" sz="1400" b="1" dirty="0">
                 <a:solidFill>
                   <a:srgbClr val="EF25A7"/>
                 </a:solidFill>
@@ -21386,7 +21410,7 @@
               <a:buNone/>
               <a:tabLst/>
             </a:pPr>
-            <a:endParaRPr kumimoji="0" lang="en-US" altLang="en-US" sz="1800" b="0" i="0" u="none" strike="noStrike" cap="none" normalizeH="0" baseline="0" dirty="0" smtClean="0">
+            <a:endParaRPr kumimoji="0" lang="en-US" altLang="en-US" sz="1800" b="0" i="0" u="none" strike="noStrike" cap="none" normalizeH="0" baseline="0" dirty="0">
               <a:ln>
                 <a:noFill/>
               </a:ln>
@@ -21469,7 +21493,7 @@
               <a:buNone/>
               <a:tabLst/>
             </a:pPr>
-            <a:endParaRPr kumimoji="0" lang="en-US" altLang="en-US" sz="1800" b="0" i="0" u="none" strike="noStrike" cap="none" normalizeH="0" baseline="0" dirty="0" smtClean="0">
+            <a:endParaRPr kumimoji="0" lang="en-US" altLang="en-US" sz="1800" b="0" i="0" u="none" strike="noStrike" cap="none" normalizeH="0" baseline="0" dirty="0">
               <a:ln>
                 <a:noFill/>
               </a:ln>
@@ -21552,7 +21576,7 @@
               <a:buNone/>
               <a:tabLst/>
             </a:pPr>
-            <a:endParaRPr kumimoji="0" lang="en-US" altLang="en-US" sz="1800" b="0" i="0" u="none" strike="noStrike" cap="none" normalizeH="0" baseline="0" dirty="0" smtClean="0">
+            <a:endParaRPr kumimoji="0" lang="en-US" altLang="en-US" sz="1800" b="0" i="0" u="none" strike="noStrike" cap="none" normalizeH="0" baseline="0" dirty="0">
               <a:ln>
                 <a:noFill/>
               </a:ln>
@@ -21659,7 +21683,7 @@
               <a:buNone/>
               <a:tabLst/>
             </a:pPr>
-            <a:endParaRPr kumimoji="0" lang="en-US" altLang="en-US" sz="1800" b="0" i="0" u="none" strike="noStrike" cap="none" normalizeH="0" baseline="0" dirty="0" smtClean="0">
+            <a:endParaRPr kumimoji="0" lang="en-US" altLang="en-US" sz="1800" b="0" i="0" u="none" strike="noStrike" cap="none" normalizeH="0" baseline="0" dirty="0">
               <a:ln>
                 <a:noFill/>
               </a:ln>
@@ -21838,7 +21862,7 @@
               <a:buNone/>
               <a:tabLst/>
             </a:pPr>
-            <a:endParaRPr kumimoji="0" lang="en-US" altLang="en-US" sz="1800" b="0" i="0" u="none" strike="noStrike" cap="none" normalizeH="0" baseline="0" dirty="0" smtClean="0">
+            <a:endParaRPr kumimoji="0" lang="en-US" altLang="en-US" sz="1800" b="0" i="0" u="none" strike="noStrike" cap="none" normalizeH="0" baseline="0" dirty="0">
               <a:ln>
                 <a:noFill/>
               </a:ln>
@@ -21945,7 +21969,7 @@
               <a:buNone/>
               <a:tabLst/>
             </a:pPr>
-            <a:endParaRPr kumimoji="0" lang="en-US" altLang="en-US" sz="1800" b="0" i="0" u="none" strike="noStrike" cap="none" normalizeH="0" baseline="0" dirty="0" smtClean="0">
+            <a:endParaRPr kumimoji="0" lang="en-US" altLang="en-US" sz="1800" b="0" i="0" u="none" strike="noStrike" cap="none" normalizeH="0" baseline="0" dirty="0">
               <a:ln>
                 <a:noFill/>
               </a:ln>
@@ -22029,21 +22053,13 @@
             <a:pPr algn="ctr"/>
             <a:r>
               <a:rPr lang="en-US" sz="1400" dirty="0"/>
-              <a:t>RSM based on </a:t>
-            </a:r>
-            <a:r>
-              <a:rPr lang="en-US" sz="1400" dirty="0" smtClean="0"/>
-              <a:t>Valence </a:t>
-            </a:r>
-            <a:r>
-              <a:rPr lang="en-US" sz="1400" dirty="0"/>
-              <a:t>Ratings </a:t>
+              <a:t>RSM based on Valence Ratings </a:t>
             </a:r>
           </a:p>
           <a:p>
             <a:pPr algn="ctr"/>
             <a:r>
-              <a:rPr lang="en-US" sz="1400" b="1" dirty="0" err="1" smtClean="0">
+              <a:rPr lang="en-US" sz="1400" b="1" dirty="0" err="1">
                 <a:solidFill>
                   <a:srgbClr val="EF25A7"/>
                 </a:solidFill>
@@ -22191,14 +22207,13 @@
               <a:t>RSM based on </a:t>
             </a:r>
             <a:r>
-              <a:rPr lang="en-US" dirty="0" err="1" smtClean="0"/>
+              <a:rPr lang="en-US" dirty="0" err="1"/>
               <a:t>Tamplitudes</a:t>
             </a:r>
             <a:r>
-              <a:rPr lang="en-US" dirty="0" smtClean="0"/>
+              <a:rPr lang="en-US" dirty="0"/>
               <a:t> </a:t>
             </a:r>
-            <a:endParaRPr lang="en-US" dirty="0"/>
           </a:p>
           <a:p>
             <a:pPr algn="ctr"/>
@@ -22211,15 +22226,7 @@
             <a:pPr algn="ctr"/>
             <a:r>
               <a:rPr lang="en-US" dirty="0"/>
-              <a:t>RSM based on </a:t>
-            </a:r>
-            <a:r>
-              <a:rPr lang="en-US" dirty="0" smtClean="0"/>
-              <a:t>Valence </a:t>
-            </a:r>
-            <a:r>
-              <a:rPr lang="en-US" dirty="0"/>
-              <a:t>Ratings </a:t>
+              <a:t>RSM based on Valence Ratings </a:t>
             </a:r>
             <a:r>
               <a:rPr lang="en-US" dirty="0" err="1"/>
@@ -22287,14 +22294,13 @@
               <a:t>RSM based on </a:t>
             </a:r>
             <a:r>
-              <a:rPr lang="en-US" dirty="0" err="1" smtClean="0"/>
+              <a:rPr lang="en-US" dirty="0" err="1"/>
               <a:t>Tamplitudes</a:t>
             </a:r>
             <a:r>
-              <a:rPr lang="en-US" dirty="0" smtClean="0"/>
+              <a:rPr lang="en-US" dirty="0"/>
               <a:t> </a:t>
             </a:r>
-            <a:endParaRPr lang="en-US" dirty="0"/>
           </a:p>
           <a:p>
             <a:pPr algn="ctr"/>
@@ -22307,15 +22313,7 @@
             <a:pPr algn="ctr"/>
             <a:r>
               <a:rPr lang="en-US" dirty="0"/>
-              <a:t>RSM based on </a:t>
-            </a:r>
-            <a:r>
-              <a:rPr lang="en-US" dirty="0" smtClean="0"/>
-              <a:t>Valence </a:t>
-            </a:r>
-            <a:r>
-              <a:rPr lang="en-US" dirty="0"/>
-              <a:t>Ratings</a:t>
+              <a:t>RSM based on Valence Ratings</a:t>
             </a:r>
             <a:endParaRPr lang="en-US" i="1" dirty="0"/>
           </a:p>
@@ -22442,14 +22440,13 @@
               <a:t>RSM based on </a:t>
             </a:r>
             <a:r>
-              <a:rPr lang="en-US" dirty="0" err="1" smtClean="0"/>
+              <a:rPr lang="en-US" dirty="0" err="1"/>
               <a:t>Tamplitudes</a:t>
             </a:r>
             <a:r>
-              <a:rPr lang="en-US" dirty="0" smtClean="0"/>
+              <a:rPr lang="en-US" dirty="0"/>
               <a:t> </a:t>
             </a:r>
-            <a:endParaRPr lang="en-US" dirty="0"/>
           </a:p>
           <a:p>
             <a:pPr algn="ctr"/>
@@ -22462,18 +22459,10 @@
             <a:pPr algn="ctr"/>
             <a:r>
               <a:rPr lang="en-US" dirty="0"/>
-              <a:t>RSM based on </a:t>
-            </a:r>
-            <a:r>
-              <a:rPr lang="en-US" dirty="0" smtClean="0"/>
-              <a:t>Valence </a:t>
-            </a:r>
-            <a:r>
-              <a:rPr lang="en-US" dirty="0"/>
-              <a:t>Ratings </a:t>
-            </a:r>
-            <a:r>
-              <a:rPr lang="en-US" b="1" dirty="0" smtClean="0">
+              <a:t>RSM based on Valence Ratings </a:t>
+            </a:r>
+            <a:r>
+              <a:rPr lang="en-US" b="1" dirty="0">
                 <a:solidFill>
                   <a:srgbClr val="EF25A7"/>
                 </a:solidFill>
@@ -23055,6 +23044,271 @@
     <p:extLst>
       <p:ext uri="{BB962C8B-B14F-4D97-AF65-F5344CB8AC3E}">
         <p14:creationId xmlns:p14="http://schemas.microsoft.com/office/powerpoint/2010/main" val="2778239287"/>
+      </p:ext>
+    </p:extLst>
+  </p:cSld>
+  <p:clrMapOvr>
+    <a:masterClrMapping/>
+  </p:clrMapOvr>
+  <mc:AlternateContent xmlns:mc="http://schemas.openxmlformats.org/markup-compatibility/2006" xmlns:p14="http://schemas.microsoft.com/office/powerpoint/2010/main">
+    <mc:Choice Requires="p14">
+      <p:transition p14:dur="10"/>
+    </mc:Choice>
+    <mc:Fallback xmlns="">
+      <p:transition/>
+    </mc:Fallback>
+  </mc:AlternateContent>
+</p:sld>
+</file>
+
+<file path=ppt/slides/slide40.xml><?xml version="1.0" encoding="utf-8"?>
+<p:sld xmlns:a="http://schemas.openxmlformats.org/drawingml/2006/main" xmlns:r="http://schemas.openxmlformats.org/officeDocument/2006/relationships" xmlns:p="http://schemas.openxmlformats.org/presentationml/2006/main">
+  <p:cSld>
+    <p:spTree>
+      <p:nvGrpSpPr>
+        <p:cNvPr id="1" name=""/>
+        <p:cNvGrpSpPr/>
+        <p:nvPr/>
+      </p:nvGrpSpPr>
+      <p:grpSpPr>
+        <a:xfrm>
+          <a:off x="0" y="0"/>
+          <a:ext cx="0" cy="0"/>
+          <a:chOff x="0" y="0"/>
+          <a:chExt cx="0" cy="0"/>
+        </a:xfrm>
+      </p:grpSpPr>
+      <p:sp>
+        <p:nvSpPr>
+          <p:cNvPr id="2" name="Titel 1">
+            <a:extLst>
+              <a:ext uri="{FF2B5EF4-FFF2-40B4-BE49-F238E27FC236}">
+                <a16:creationId xmlns:a16="http://schemas.microsoft.com/office/drawing/2014/main" id="{64F17A86-F1B9-B4D0-AC5C-DCD334A26423}"/>
+              </a:ext>
+            </a:extLst>
+          </p:cNvPr>
+          <p:cNvSpPr>
+            <a:spLocks noGrp="1"/>
+          </p:cNvSpPr>
+          <p:nvPr>
+            <p:ph type="title"/>
+          </p:nvPr>
+        </p:nvSpPr>
+        <p:spPr>
+          <a:xfrm>
+            <a:off x="581340" y="966272"/>
+            <a:ext cx="11029320" cy="566280"/>
+          </a:xfrm>
+        </p:spPr>
+        <p:txBody>
+          <a:bodyPr/>
+          <a:lstStyle/>
+          <a:p>
+            <a:r>
+              <a:rPr lang="de-DE" dirty="0"/>
+              <a:t>Regression </a:t>
+            </a:r>
+            <a:r>
+              <a:rPr lang="de-DE" dirty="0" err="1"/>
+              <a:t>analysis</a:t>
+            </a:r>
+            <a:r>
+              <a:rPr lang="de-DE" dirty="0"/>
+              <a:t> EMG, </a:t>
+            </a:r>
+            <a:r>
+              <a:rPr lang="de-DE" dirty="0" err="1"/>
+              <a:t>sorted</a:t>
+            </a:r>
+            <a:r>
+              <a:rPr lang="de-DE" dirty="0"/>
+              <a:t> </a:t>
+            </a:r>
+            <a:r>
+              <a:rPr lang="de-DE" dirty="0" err="1"/>
+              <a:t>by</a:t>
+            </a:r>
+            <a:r>
+              <a:rPr lang="de-DE" dirty="0"/>
+              <a:t> VP</a:t>
+            </a:r>
+          </a:p>
+        </p:txBody>
+      </p:sp>
+      <p:sp>
+        <p:nvSpPr>
+          <p:cNvPr id="4" name="Untertitel 2">
+            <a:extLst>
+              <a:ext uri="{FF2B5EF4-FFF2-40B4-BE49-F238E27FC236}">
+                <a16:creationId xmlns:a16="http://schemas.microsoft.com/office/drawing/2014/main" id="{8A83CAA6-CA09-A634-F5FB-34EC4869A8A3}"/>
+              </a:ext>
+            </a:extLst>
+          </p:cNvPr>
+          <p:cNvSpPr>
+            <a:spLocks noGrp="1"/>
+          </p:cNvSpPr>
+          <p:nvPr>
+            <p:ph type="subTitle"/>
+          </p:nvPr>
+        </p:nvSpPr>
+        <p:spPr>
+          <a:xfrm>
+            <a:off x="450840" y="1532552"/>
+            <a:ext cx="11290320" cy="939021"/>
+          </a:xfrm>
+        </p:spPr>
+        <p:txBody>
+          <a:bodyPr/>
+          <a:lstStyle/>
+          <a:p>
+            <a:r>
+              <a:rPr lang="de-DE" dirty="0" err="1"/>
+              <a:t>Based</a:t>
+            </a:r>
+            <a:r>
+              <a:rPr lang="de-DE" dirty="0"/>
+              <a:t> on </a:t>
+            </a:r>
+            <a:r>
+              <a:rPr lang="de-DE" dirty="0" err="1"/>
+              <a:t>arousal</a:t>
+            </a:r>
+            <a:r>
+              <a:rPr lang="de-DE" dirty="0"/>
+              <a:t>/ </a:t>
+            </a:r>
+            <a:r>
+              <a:rPr lang="de-DE" dirty="0" err="1"/>
+              <a:t>valence</a:t>
+            </a:r>
+            <a:endParaRPr lang="de-DE" dirty="0"/>
+          </a:p>
+        </p:txBody>
+      </p:sp>
+      <p:pic>
+        <p:nvPicPr>
+          <p:cNvPr id="6" name="Grafik 5">
+            <a:extLst>
+              <a:ext uri="{FF2B5EF4-FFF2-40B4-BE49-F238E27FC236}">
+                <a16:creationId xmlns:a16="http://schemas.microsoft.com/office/drawing/2014/main" id="{56BDF9B2-B9A6-8BDC-3186-099916F8BD1D}"/>
+              </a:ext>
+            </a:extLst>
+          </p:cNvPr>
+          <p:cNvPicPr>
+            <a:picLocks noChangeAspect="1"/>
+          </p:cNvPicPr>
+          <p:nvPr/>
+        </p:nvPicPr>
+        <p:blipFill>
+          <a:blip r:embed="rId3"/>
+          <a:stretch>
+            <a:fillRect/>
+          </a:stretch>
+        </p:blipFill>
+        <p:spPr>
+          <a:xfrm>
+            <a:off x="2782426" y="2704842"/>
+            <a:ext cx="2360591" cy="2282647"/>
+          </a:xfrm>
+          <a:prstGeom prst="rect">
+            <a:avLst/>
+          </a:prstGeom>
+        </p:spPr>
+      </p:pic>
+      <p:pic>
+        <p:nvPicPr>
+          <p:cNvPr id="7" name="Grafik 6">
+            <a:extLst>
+              <a:ext uri="{FF2B5EF4-FFF2-40B4-BE49-F238E27FC236}">
+                <a16:creationId xmlns:a16="http://schemas.microsoft.com/office/drawing/2014/main" id="{C94ABA07-1FE1-5D07-627D-0EAE9D411123}"/>
+              </a:ext>
+            </a:extLst>
+          </p:cNvPr>
+          <p:cNvPicPr>
+            <a:picLocks noChangeAspect="1"/>
+          </p:cNvPicPr>
+          <p:nvPr/>
+        </p:nvPicPr>
+        <p:blipFill>
+          <a:blip r:embed="rId4"/>
+          <a:stretch>
+            <a:fillRect/>
+          </a:stretch>
+        </p:blipFill>
+        <p:spPr>
+          <a:xfrm>
+            <a:off x="5379011" y="2704840"/>
+            <a:ext cx="2710091" cy="2620607"/>
+          </a:xfrm>
+          <a:prstGeom prst="rect">
+            <a:avLst/>
+          </a:prstGeom>
+        </p:spPr>
+      </p:pic>
+      <p:pic>
+        <p:nvPicPr>
+          <p:cNvPr id="8" name="Grafik 7">
+            <a:extLst>
+              <a:ext uri="{FF2B5EF4-FFF2-40B4-BE49-F238E27FC236}">
+                <a16:creationId xmlns:a16="http://schemas.microsoft.com/office/drawing/2014/main" id="{B0522705-C9A0-DB5D-9F45-FABDFA4E6195}"/>
+              </a:ext>
+            </a:extLst>
+          </p:cNvPr>
+          <p:cNvPicPr>
+            <a:picLocks noChangeAspect="1"/>
+          </p:cNvPicPr>
+          <p:nvPr/>
+        </p:nvPicPr>
+        <p:blipFill>
+          <a:blip r:embed="rId5"/>
+          <a:stretch>
+            <a:fillRect/>
+          </a:stretch>
+        </p:blipFill>
+        <p:spPr>
+          <a:xfrm>
+            <a:off x="8089101" y="2776985"/>
+            <a:ext cx="2710091" cy="2620607"/>
+          </a:xfrm>
+          <a:prstGeom prst="rect">
+            <a:avLst/>
+          </a:prstGeom>
+        </p:spPr>
+      </p:pic>
+      <p:pic>
+        <p:nvPicPr>
+          <p:cNvPr id="9" name="Grafik 8">
+            <a:extLst>
+              <a:ext uri="{FF2B5EF4-FFF2-40B4-BE49-F238E27FC236}">
+                <a16:creationId xmlns:a16="http://schemas.microsoft.com/office/drawing/2014/main" id="{50EF7C77-8685-8085-2488-1F167B4CBE00}"/>
+              </a:ext>
+            </a:extLst>
+          </p:cNvPr>
+          <p:cNvPicPr>
+            <a:picLocks noChangeAspect="1"/>
+          </p:cNvPicPr>
+          <p:nvPr/>
+        </p:nvPicPr>
+        <p:blipFill>
+          <a:blip r:embed="rId6"/>
+          <a:stretch>
+            <a:fillRect/>
+          </a:stretch>
+        </p:blipFill>
+        <p:spPr>
+          <a:xfrm>
+            <a:off x="162046" y="2776985"/>
+            <a:ext cx="2515565" cy="2432505"/>
+          </a:xfrm>
+          <a:prstGeom prst="rect">
+            <a:avLst/>
+          </a:prstGeom>
+        </p:spPr>
+      </p:pic>
+    </p:spTree>
+    <p:extLst>
+      <p:ext uri="{BB962C8B-B14F-4D97-AF65-F5344CB8AC3E}">
+        <p14:creationId xmlns:p14="http://schemas.microsoft.com/office/powerpoint/2010/main" val="2417832008"/>
       </p:ext>
     </p:extLst>
   </p:cSld>
